--- a/Presentation.pptx
+++ b/Presentation.pptx
@@ -116,6 +116,11 @@
       </a:defRPr>
     </a:lvl9pPr>
   </p:defaultTextStyle>
+  <p:extLst>
+    <p:ext uri="{EFAFB233-063F-42B5-8137-9DF3F51BA10A}">
+      <p15:sldGuideLst xmlns:p15="http://schemas.microsoft.com/office/powerpoint/2012/main"/>
+    </p:ext>
+  </p:extLst>
 </p:presentation>
 </file>
 
@@ -1142,7 +1147,7 @@
           <a:p>
             <a:fld id="{EA71AA14-241F-7F43-A3E9-20D545526E73}" type="datetimeFigureOut">
               <a:rPr lang="en-US" smtClean="0"/>
-              <a:t>4/27/19</a:t>
+              <a:t>5/13/19</a:t>
             </a:fld>
             <a:endParaRPr lang="en-US"/>
           </a:p>
@@ -1340,7 +1345,7 @@
           <a:p>
             <a:fld id="{EA71AA14-241F-7F43-A3E9-20D545526E73}" type="datetimeFigureOut">
               <a:rPr lang="en-US" smtClean="0"/>
-              <a:t>4/27/19</a:t>
+              <a:t>5/13/19</a:t>
             </a:fld>
             <a:endParaRPr lang="en-US"/>
           </a:p>
@@ -1548,7 +1553,7 @@
           <a:p>
             <a:fld id="{EA71AA14-241F-7F43-A3E9-20D545526E73}" type="datetimeFigureOut">
               <a:rPr lang="en-US" smtClean="0"/>
-              <a:t>4/27/19</a:t>
+              <a:t>5/13/19</a:t>
             </a:fld>
             <a:endParaRPr lang="en-US"/>
           </a:p>
@@ -1746,7 +1751,7 @@
           <a:p>
             <a:fld id="{EA71AA14-241F-7F43-A3E9-20D545526E73}" type="datetimeFigureOut">
               <a:rPr lang="en-US" smtClean="0"/>
-              <a:t>4/27/19</a:t>
+              <a:t>5/13/19</a:t>
             </a:fld>
             <a:endParaRPr lang="en-US"/>
           </a:p>
@@ -2021,7 +2026,7 @@
           <a:p>
             <a:fld id="{EA71AA14-241F-7F43-A3E9-20D545526E73}" type="datetimeFigureOut">
               <a:rPr lang="en-US" smtClean="0"/>
-              <a:t>4/27/19</a:t>
+              <a:t>5/13/19</a:t>
             </a:fld>
             <a:endParaRPr lang="en-US"/>
           </a:p>
@@ -2286,7 +2291,7 @@
           <a:p>
             <a:fld id="{EA71AA14-241F-7F43-A3E9-20D545526E73}" type="datetimeFigureOut">
               <a:rPr lang="en-US" smtClean="0"/>
-              <a:t>4/27/19</a:t>
+              <a:t>5/13/19</a:t>
             </a:fld>
             <a:endParaRPr lang="en-US"/>
           </a:p>
@@ -2698,7 +2703,7 @@
           <a:p>
             <a:fld id="{EA71AA14-241F-7F43-A3E9-20D545526E73}" type="datetimeFigureOut">
               <a:rPr lang="en-US" smtClean="0"/>
-              <a:t>4/27/19</a:t>
+              <a:t>5/13/19</a:t>
             </a:fld>
             <a:endParaRPr lang="en-US"/>
           </a:p>
@@ -2839,7 +2844,7 @@
           <a:p>
             <a:fld id="{EA71AA14-241F-7F43-A3E9-20D545526E73}" type="datetimeFigureOut">
               <a:rPr lang="en-US" smtClean="0"/>
-              <a:t>4/27/19</a:t>
+              <a:t>5/13/19</a:t>
             </a:fld>
             <a:endParaRPr lang="en-US"/>
           </a:p>
@@ -2952,7 +2957,7 @@
           <a:p>
             <a:fld id="{EA71AA14-241F-7F43-A3E9-20D545526E73}" type="datetimeFigureOut">
               <a:rPr lang="en-US" smtClean="0"/>
-              <a:t>4/27/19</a:t>
+              <a:t>5/13/19</a:t>
             </a:fld>
             <a:endParaRPr lang="en-US"/>
           </a:p>
@@ -3263,7 +3268,7 @@
           <a:p>
             <a:fld id="{EA71AA14-241F-7F43-A3E9-20D545526E73}" type="datetimeFigureOut">
               <a:rPr lang="en-US" smtClean="0"/>
-              <a:t>4/27/19</a:t>
+              <a:t>5/13/19</a:t>
             </a:fld>
             <a:endParaRPr lang="en-US"/>
           </a:p>
@@ -3551,7 +3556,7 @@
           <a:p>
             <a:fld id="{EA71AA14-241F-7F43-A3E9-20D545526E73}" type="datetimeFigureOut">
               <a:rPr lang="en-US" smtClean="0"/>
-              <a:t>4/27/19</a:t>
+              <a:t>5/13/19</a:t>
             </a:fld>
             <a:endParaRPr lang="en-US"/>
           </a:p>
@@ -3792,7 +3797,7 @@
           <a:p>
             <a:fld id="{EA71AA14-241F-7F43-A3E9-20D545526E73}" type="datetimeFigureOut">
               <a:rPr lang="en-US" smtClean="0"/>
-              <a:t>4/27/19</a:t>
+              <a:t>5/13/19</a:t>
             </a:fld>
             <a:endParaRPr lang="en-US"/>
           </a:p>
@@ -14610,10 +14615,10 @@
       </p:sp>
       <p:pic>
         <p:nvPicPr>
-          <p:cNvPr id="10" name="Content Placeholder 9">
+          <p:cNvPr id="6" name="Content Placeholder 5">
             <a:extLst>
               <a:ext uri="{FF2B5EF4-FFF2-40B4-BE49-F238E27FC236}">
-                <a16:creationId xmlns:a16="http://schemas.microsoft.com/office/drawing/2014/main" id="{C5CCCBEA-892D-104B-AA35-B1FDA99BB17C}"/>
+                <a16:creationId xmlns:a16="http://schemas.microsoft.com/office/drawing/2014/main" id="{24A18EE0-1D81-2A48-85F8-04CAA8E482F3}"/>
               </a:ext>
             </a:extLst>
           </p:cNvPr>
@@ -14632,8 +14637,8 @@
         </p:blipFill>
         <p:spPr>
           <a:xfrm>
-            <a:off x="2952000" y="2001185"/>
-            <a:ext cx="6288000" cy="3440243"/>
+            <a:off x="2451100" y="1797050"/>
+            <a:ext cx="7289800" cy="3263900"/>
           </a:xfrm>
         </p:spPr>
       </p:pic>
@@ -14812,10 +14817,10 @@
       </p:sp>
       <p:pic>
         <p:nvPicPr>
-          <p:cNvPr id="5" name="Picture 4">
+          <p:cNvPr id="6" name="Picture 5">
             <a:extLst>
               <a:ext uri="{FF2B5EF4-FFF2-40B4-BE49-F238E27FC236}">
-                <a16:creationId xmlns:a16="http://schemas.microsoft.com/office/drawing/2014/main" id="{C5817450-5F45-E04C-A6D8-5034579E5C25}"/>
+                <a16:creationId xmlns:a16="http://schemas.microsoft.com/office/drawing/2014/main" id="{B087596E-8F4E-5F4C-92CD-3ADA5BC9F8BD}"/>
               </a:ext>
             </a:extLst>
           </p:cNvPr>
@@ -14832,8 +14837,8 @@
         </p:blipFill>
         <p:spPr>
           <a:xfrm>
-            <a:off x="5272323" y="4833666"/>
-            <a:ext cx="3735935" cy="369332"/>
+            <a:off x="3883792" y="4876427"/>
+            <a:ext cx="2431436" cy="369332"/>
           </a:xfrm>
           <a:prstGeom prst="rect">
             <a:avLst/>
@@ -14842,10 +14847,10 @@
       </p:pic>
       <p:pic>
         <p:nvPicPr>
-          <p:cNvPr id="6" name="Picture 5">
+          <p:cNvPr id="10" name="Picture 9">
             <a:extLst>
               <a:ext uri="{FF2B5EF4-FFF2-40B4-BE49-F238E27FC236}">
-                <a16:creationId xmlns:a16="http://schemas.microsoft.com/office/drawing/2014/main" id="{B087596E-8F4E-5F4C-92CD-3ADA5BC9F8BD}"/>
+                <a16:creationId xmlns:a16="http://schemas.microsoft.com/office/drawing/2014/main" id="{6EF7C33D-8201-4A4F-8382-F78E28821C60}"/>
               </a:ext>
             </a:extLst>
           </p:cNvPr>
@@ -14862,72 +14867,7 @@
         </p:blipFill>
         <p:spPr>
           <a:xfrm>
-            <a:off x="2541129" y="4864852"/>
-            <a:ext cx="2431436" cy="369332"/>
-          </a:xfrm>
-          <a:prstGeom prst="rect">
-            <a:avLst/>
-          </a:prstGeom>
-        </p:spPr>
-      </p:pic>
-      <p:sp>
-        <p:nvSpPr>
-          <p:cNvPr id="9" name="TextBox 8">
-            <a:extLst>
-              <a:ext uri="{FF2B5EF4-FFF2-40B4-BE49-F238E27FC236}">
-                <a16:creationId xmlns:a16="http://schemas.microsoft.com/office/drawing/2014/main" id="{183B5F61-0E02-1B40-BA2A-BA6FCC1AAB98}"/>
-              </a:ext>
-            </a:extLst>
-          </p:cNvPr>
-          <p:cNvSpPr txBox="1"/>
-          <p:nvPr/>
-        </p:nvSpPr>
-        <p:spPr>
-          <a:xfrm>
-            <a:off x="5004117" y="4837158"/>
-            <a:ext cx="300082" cy="369332"/>
-          </a:xfrm>
-          <a:prstGeom prst="rect">
-            <a:avLst/>
-          </a:prstGeom>
-          <a:noFill/>
-        </p:spPr>
-        <p:txBody>
-          <a:bodyPr wrap="none" rtlCol="0">
-            <a:spAutoFit/>
-          </a:bodyPr>
-          <a:lstStyle/>
-          <a:p>
-            <a:r>
-              <a:rPr lang="en-US" dirty="0"/>
-              <a:t>=</a:t>
-            </a:r>
-          </a:p>
-        </p:txBody>
-      </p:sp>
-      <p:pic>
-        <p:nvPicPr>
-          <p:cNvPr id="10" name="Picture 9">
-            <a:extLst>
-              <a:ext uri="{FF2B5EF4-FFF2-40B4-BE49-F238E27FC236}">
-                <a16:creationId xmlns:a16="http://schemas.microsoft.com/office/drawing/2014/main" id="{6EF7C33D-8201-4A4F-8382-F78E28821C60}"/>
-              </a:ext>
-            </a:extLst>
-          </p:cNvPr>
-          <p:cNvPicPr>
-            <a:picLocks noChangeAspect="1"/>
-          </p:cNvPicPr>
-          <p:nvPr/>
-        </p:nvPicPr>
-        <p:blipFill>
-          <a:blip r:embed="rId5"/>
-          <a:stretch>
-            <a:fillRect/>
-          </a:stretch>
-        </p:blipFill>
-        <p:spPr>
-          <a:xfrm>
-            <a:off x="1918215" y="3146321"/>
+            <a:off x="1918215" y="3968121"/>
             <a:ext cx="1604474" cy="425283"/>
           </a:xfrm>
           <a:prstGeom prst="rect">
@@ -14950,14 +14890,14 @@
           <p:nvPr/>
         </p:nvPicPr>
         <p:blipFill>
-          <a:blip r:embed="rId6"/>
+          <a:blip r:embed="rId5"/>
           <a:stretch>
             <a:fillRect/>
           </a:stretch>
         </p:blipFill>
         <p:spPr>
           <a:xfrm>
-            <a:off x="1918215" y="4023616"/>
+            <a:off x="1918215" y="3190239"/>
             <a:ext cx="1391830" cy="425282"/>
           </a:xfrm>
           <a:prstGeom prst="rect">
